--- a/ch05-tree/Quiz3/ppt/Quiz3.pptx
+++ b/ch05-tree/Quiz3/ppt/Quiz3.pptx
@@ -10010,8 +10010,8 @@
         </p:nvSpPr>
         <p:spPr>
           <a:xfrm>
-            <a:off x="232911" y="941837"/>
-            <a:ext cx="8411217" cy="2415138"/>
+            <a:off x="232910" y="941837"/>
+            <a:ext cx="8911090" cy="2415138"/>
           </a:xfrm>
           <a:prstGeom prst="rect">
             <a:avLst/>
@@ -10034,6 +10034,14 @@
               <a:rPr lang="en-US" sz="4400" b="1" dirty="0"/>
               <a:t>The Shortest Way Back Home</a:t>
             </a:r>
+            <a:r>
+              <a:rPr lang="zh-TW" altLang="en-US" sz="4400" b="1" dirty="0"/>
+              <a:t> </a:t>
+            </a:r>
+            <a:r>
+              <a:rPr lang="en-US" altLang="zh-TW" sz="4400" b="1" dirty="0"/>
+              <a:t>Ⅱ</a:t>
+            </a:r>
             <a:br>
               <a:rPr lang="en-US" sz="4320" dirty="0"/>
             </a:br>
@@ -10046,7 +10054,7 @@
             </a:br>
             <a:r>
               <a:rPr lang="en-US" sz="3240" dirty="0"/>
-              <a:t>Data Structures Assignment 3</a:t>
+              <a:t>Data Structures Quiz 3</a:t>
             </a:r>
             <a:br>
               <a:rPr lang="en-US" sz="3240" dirty="0"/>
@@ -15245,32 +15253,36 @@
           <a:lstStyle/>
           <a:p>
             <a:r>
+              <a:rPr lang="en-US" sz="2400" dirty="0"/>
+              <a:t>Thanks for your help, now </a:t>
+            </a:r>
+            <a:r>
               <a:rPr lang="en-US" sz="2400" dirty="0" err="1"/>
               <a:t>Sia</a:t>
             </a:r>
             <a:r>
               <a:rPr lang="en-US" sz="2400" dirty="0"/>
-              <a:t> is a mountain climber, she goes to mountain climbing every week.</a:t>
+              <a:t> has already found the shortest path back home.</a:t>
             </a:r>
           </a:p>
           <a:p>
             <a:r>
               <a:rPr lang="en-US" sz="2400" dirty="0"/>
-              <a:t>One day, she accidentally </a:t>
+              <a:t>However, due to the lack of water, </a:t>
             </a:r>
             <a:r>
-              <a:rPr lang="en-US" altLang="zh-TW" sz="2400" dirty="0"/>
-              <a:t>got </a:t>
+              <a:rPr lang="en-US" sz="2400" dirty="0" err="1"/>
+              <a:t>Sia</a:t>
             </a:r>
             <a:r>
               <a:rPr lang="en-US" sz="2400" dirty="0"/>
-              <a:t>lost on top of the mountain.</a:t>
+              <a:t> may not able to directly choose the shortest path you found previously.</a:t>
             </a:r>
           </a:p>
           <a:p>
             <a:r>
               <a:rPr lang="en-US" sz="2400" dirty="0"/>
-              <a:t>Please help her find out the shortest path back home safely.</a:t>
+              <a:t>This time, please help her find out the shortest path with enough water supply.</a:t>
             </a:r>
           </a:p>
         </p:txBody>
@@ -15353,7 +15365,7 @@
         <p:spPr>
           <a:xfrm>
             <a:off x="893708" y="1417650"/>
-            <a:ext cx="7583027" cy="4662309"/>
+            <a:ext cx="7583027" cy="5078153"/>
           </a:xfrm>
         </p:spPr>
         <p:txBody>
@@ -15369,7 +15381,7 @@
             <a:pPr lvl="1"/>
             <a:r>
               <a:rPr lang="en-US" altLang="zh-TW" dirty="0"/>
-              <a:t>A pair of row &amp; column of the matrix</a:t>
+              <a:t>A pair of row &amp; column of 2 matrix</a:t>
             </a:r>
           </a:p>
           <a:p>
@@ -15383,7 +15395,14 @@
             <a:pPr lvl="1"/>
             <a:r>
               <a:rPr lang="en-US" altLang="zh-TW" dirty="0"/>
-              <a:t>A matrix of digits</a:t>
+              <a:t>A matrix of digits (path)</a:t>
+            </a:r>
+          </a:p>
+          <a:p>
+            <a:pPr lvl="1"/>
+            <a:r>
+              <a:rPr lang="en-US" altLang="zh-TW" dirty="0"/>
+              <a:t>A matrix of digits (water supply)</a:t>
             </a:r>
           </a:p>
           <a:p>
